--- a/ppt 16-9/0608.每当我们想起了.pptx
+++ b/ppt 16-9/0608.每当我们想起了.pptx
@@ -5,7 +5,7 @@
     <p:sldMasterId id="2147483648" r:id="rId1"/>
   </p:sldMasterIdLst>
   <p:sldIdLst>
-    <p:sldId id="2392" r:id="rId2"/>
+    <p:sldId id="2394" r:id="rId2"/>
   </p:sldIdLst>
   <p:sldSz cx="12192000" cy="6858000"/>
   <p:notesSz cx="6858000" cy="9144000"/>
@@ -129,7 +129,7 @@
           <p:cNvPr id="2" name="标题 1">
             <a:extLst>
               <a:ext uri="{FF2B5EF4-FFF2-40B4-BE49-F238E27FC236}">
-                <a16:creationId xmlns:a16="http://schemas.microsoft.com/office/drawing/2014/main" id="{82BC9097-9D1A-3D17-A3A6-557A6E330CA9}"/>
+                <a16:creationId xmlns:a16="http://schemas.microsoft.com/office/drawing/2014/main" id="{63093E81-AA6F-6E41-9620-AE907F820F11}"/>
               </a:ext>
             </a:extLst>
           </p:cNvPr>
@@ -166,7 +166,7 @@
           <p:cNvPr id="3" name="副标题 2">
             <a:extLst>
               <a:ext uri="{FF2B5EF4-FFF2-40B4-BE49-F238E27FC236}">
-                <a16:creationId xmlns:a16="http://schemas.microsoft.com/office/drawing/2014/main" id="{FFB9E356-6BD2-4CD6-4069-372C0DD221DA}"/>
+                <a16:creationId xmlns:a16="http://schemas.microsoft.com/office/drawing/2014/main" id="{5EB708CE-E1AD-A36D-BE8D-3A89913AD636}"/>
               </a:ext>
             </a:extLst>
           </p:cNvPr>
@@ -236,7 +236,7 @@
           <p:cNvPr id="4" name="日期占位符 3">
             <a:extLst>
               <a:ext uri="{FF2B5EF4-FFF2-40B4-BE49-F238E27FC236}">
-                <a16:creationId xmlns:a16="http://schemas.microsoft.com/office/drawing/2014/main" id="{7761058C-B474-CDF5-1E7A-92DB2E5ABD4C}"/>
+                <a16:creationId xmlns:a16="http://schemas.microsoft.com/office/drawing/2014/main" id="{096B1FC2-0603-5928-86E8-6E996A32162A}"/>
               </a:ext>
             </a:extLst>
           </p:cNvPr>
@@ -252,7 +252,7 @@
           <a:bodyPr/>
           <a:lstStyle/>
           <a:p>
-            <a:fld id="{A7EC9F20-0257-4100-9A22-8EEA714A88A2}" type="datetimeFigureOut">
+            <a:fld id="{C1DCBBEF-31FA-4EA6-A8F0-1F4BA409E687}" type="datetimeFigureOut">
               <a:rPr lang="zh-CN" altLang="en-US" smtClean="0"/>
               <a:t>2024/3/10</a:t>
             </a:fld>
@@ -265,7 +265,7 @@
           <p:cNvPr id="5" name="页脚占位符 4">
             <a:extLst>
               <a:ext uri="{FF2B5EF4-FFF2-40B4-BE49-F238E27FC236}">
-                <a16:creationId xmlns:a16="http://schemas.microsoft.com/office/drawing/2014/main" id="{F083D3BE-1E5F-20E3-6D56-03C038471020}"/>
+                <a16:creationId xmlns:a16="http://schemas.microsoft.com/office/drawing/2014/main" id="{D15B9814-96F6-3F49-28D9-00EE004E733D}"/>
               </a:ext>
             </a:extLst>
           </p:cNvPr>
@@ -290,7 +290,7 @@
           <p:cNvPr id="6" name="灯片编号占位符 5">
             <a:extLst>
               <a:ext uri="{FF2B5EF4-FFF2-40B4-BE49-F238E27FC236}">
-                <a16:creationId xmlns:a16="http://schemas.microsoft.com/office/drawing/2014/main" id="{ED70A6A4-C088-B368-43EA-CD7F910F1B94}"/>
+                <a16:creationId xmlns:a16="http://schemas.microsoft.com/office/drawing/2014/main" id="{E9C9B670-4EAC-AB41-D1FD-13ECA0B3C82D}"/>
               </a:ext>
             </a:extLst>
           </p:cNvPr>
@@ -306,7 +306,7 @@
           <a:bodyPr/>
           <a:lstStyle/>
           <a:p>
-            <a:fld id="{176DEA4F-F981-4A92-A367-04D0BBF92D4F}" type="slidenum">
+            <a:fld id="{5E099FE6-19BA-454D-B403-DDAA1891646F}" type="slidenum">
               <a:rPr lang="zh-CN" altLang="en-US" smtClean="0"/>
               <a:t>‹#›</a:t>
             </a:fld>
@@ -317,7 +317,7 @@
     </p:spTree>
     <p:extLst>
       <p:ext uri="{BB962C8B-B14F-4D97-AF65-F5344CB8AC3E}">
-        <p14:creationId xmlns:p14="http://schemas.microsoft.com/office/powerpoint/2010/main" val="3991488158"/>
+        <p14:creationId xmlns:p14="http://schemas.microsoft.com/office/powerpoint/2010/main" val="3147183503"/>
       </p:ext>
     </p:extLst>
   </p:cSld>
@@ -349,7 +349,7 @@
           <p:cNvPr id="2" name="标题 1">
             <a:extLst>
               <a:ext uri="{FF2B5EF4-FFF2-40B4-BE49-F238E27FC236}">
-                <a16:creationId xmlns:a16="http://schemas.microsoft.com/office/drawing/2014/main" id="{6DC446BD-AB21-6249-FD46-C22B2E2D209E}"/>
+                <a16:creationId xmlns:a16="http://schemas.microsoft.com/office/drawing/2014/main" id="{DA7BCB8D-B29D-8790-FD1F-FF2DD28074BF}"/>
               </a:ext>
             </a:extLst>
           </p:cNvPr>
@@ -377,7 +377,7 @@
           <p:cNvPr id="3" name="竖排文字占位符 2">
             <a:extLst>
               <a:ext uri="{FF2B5EF4-FFF2-40B4-BE49-F238E27FC236}">
-                <a16:creationId xmlns:a16="http://schemas.microsoft.com/office/drawing/2014/main" id="{F59FEAFF-AC6C-9547-B152-EBE147570B74}"/>
+                <a16:creationId xmlns:a16="http://schemas.microsoft.com/office/drawing/2014/main" id="{E28EEBED-68CD-7758-5A02-2CD85E54582E}"/>
               </a:ext>
             </a:extLst>
           </p:cNvPr>
@@ -434,7 +434,7 @@
           <p:cNvPr id="4" name="日期占位符 3">
             <a:extLst>
               <a:ext uri="{FF2B5EF4-FFF2-40B4-BE49-F238E27FC236}">
-                <a16:creationId xmlns:a16="http://schemas.microsoft.com/office/drawing/2014/main" id="{560E6DB5-D40B-32C6-20A9-79F457CDDBB0}"/>
+                <a16:creationId xmlns:a16="http://schemas.microsoft.com/office/drawing/2014/main" id="{A925F3C7-4E73-D1ED-1412-1D73E9093EC6}"/>
               </a:ext>
             </a:extLst>
           </p:cNvPr>
@@ -450,7 +450,7 @@
           <a:bodyPr/>
           <a:lstStyle/>
           <a:p>
-            <a:fld id="{A7EC9F20-0257-4100-9A22-8EEA714A88A2}" type="datetimeFigureOut">
+            <a:fld id="{C1DCBBEF-31FA-4EA6-A8F0-1F4BA409E687}" type="datetimeFigureOut">
               <a:rPr lang="zh-CN" altLang="en-US" smtClean="0"/>
               <a:t>2024/3/10</a:t>
             </a:fld>
@@ -463,7 +463,7 @@
           <p:cNvPr id="5" name="页脚占位符 4">
             <a:extLst>
               <a:ext uri="{FF2B5EF4-FFF2-40B4-BE49-F238E27FC236}">
-                <a16:creationId xmlns:a16="http://schemas.microsoft.com/office/drawing/2014/main" id="{F5ADF161-8A3D-17B0-16E0-0E5E318D4A98}"/>
+                <a16:creationId xmlns:a16="http://schemas.microsoft.com/office/drawing/2014/main" id="{A238F8CC-1545-CB4F-B025-4A0D64BD14A6}"/>
               </a:ext>
             </a:extLst>
           </p:cNvPr>
@@ -488,7 +488,7 @@
           <p:cNvPr id="6" name="灯片编号占位符 5">
             <a:extLst>
               <a:ext uri="{FF2B5EF4-FFF2-40B4-BE49-F238E27FC236}">
-                <a16:creationId xmlns:a16="http://schemas.microsoft.com/office/drawing/2014/main" id="{31B528FB-801D-784A-3746-FEBC030D03A1}"/>
+                <a16:creationId xmlns:a16="http://schemas.microsoft.com/office/drawing/2014/main" id="{717B71C2-BF46-CB83-79E1-C1B75F6B9AA4}"/>
               </a:ext>
             </a:extLst>
           </p:cNvPr>
@@ -504,7 +504,7 @@
           <a:bodyPr/>
           <a:lstStyle/>
           <a:p>
-            <a:fld id="{176DEA4F-F981-4A92-A367-04D0BBF92D4F}" type="slidenum">
+            <a:fld id="{5E099FE6-19BA-454D-B403-DDAA1891646F}" type="slidenum">
               <a:rPr lang="zh-CN" altLang="en-US" smtClean="0"/>
               <a:t>‹#›</a:t>
             </a:fld>
@@ -515,7 +515,7 @@
     </p:spTree>
     <p:extLst>
       <p:ext uri="{BB962C8B-B14F-4D97-AF65-F5344CB8AC3E}">
-        <p14:creationId xmlns:p14="http://schemas.microsoft.com/office/powerpoint/2010/main" val="1296289200"/>
+        <p14:creationId xmlns:p14="http://schemas.microsoft.com/office/powerpoint/2010/main" val="2794749798"/>
       </p:ext>
     </p:extLst>
   </p:cSld>
@@ -547,7 +547,7 @@
           <p:cNvPr id="2" name="竖排标题 1">
             <a:extLst>
               <a:ext uri="{FF2B5EF4-FFF2-40B4-BE49-F238E27FC236}">
-                <a16:creationId xmlns:a16="http://schemas.microsoft.com/office/drawing/2014/main" id="{026E8465-3655-AFBB-DD02-21A3EC388B54}"/>
+                <a16:creationId xmlns:a16="http://schemas.microsoft.com/office/drawing/2014/main" id="{5A65966A-8C38-9B76-A466-96CC3F702382}"/>
               </a:ext>
             </a:extLst>
           </p:cNvPr>
@@ -580,7 +580,7 @@
           <p:cNvPr id="3" name="竖排文字占位符 2">
             <a:extLst>
               <a:ext uri="{FF2B5EF4-FFF2-40B4-BE49-F238E27FC236}">
-                <a16:creationId xmlns:a16="http://schemas.microsoft.com/office/drawing/2014/main" id="{7DE0B650-A267-A590-624A-1CDCC4020ABD}"/>
+                <a16:creationId xmlns:a16="http://schemas.microsoft.com/office/drawing/2014/main" id="{35AE7CB3-80EB-D775-C5B9-574117864C64}"/>
               </a:ext>
             </a:extLst>
           </p:cNvPr>
@@ -642,7 +642,7 @@
           <p:cNvPr id="4" name="日期占位符 3">
             <a:extLst>
               <a:ext uri="{FF2B5EF4-FFF2-40B4-BE49-F238E27FC236}">
-                <a16:creationId xmlns:a16="http://schemas.microsoft.com/office/drawing/2014/main" id="{9FEE9A17-67E1-48BD-3076-86FF8C998D23}"/>
+                <a16:creationId xmlns:a16="http://schemas.microsoft.com/office/drawing/2014/main" id="{A3DA38CC-270E-73AD-64FD-4D3E425347FB}"/>
               </a:ext>
             </a:extLst>
           </p:cNvPr>
@@ -658,7 +658,7 @@
           <a:bodyPr/>
           <a:lstStyle/>
           <a:p>
-            <a:fld id="{A7EC9F20-0257-4100-9A22-8EEA714A88A2}" type="datetimeFigureOut">
+            <a:fld id="{C1DCBBEF-31FA-4EA6-A8F0-1F4BA409E687}" type="datetimeFigureOut">
               <a:rPr lang="zh-CN" altLang="en-US" smtClean="0"/>
               <a:t>2024/3/10</a:t>
             </a:fld>
@@ -671,7 +671,7 @@
           <p:cNvPr id="5" name="页脚占位符 4">
             <a:extLst>
               <a:ext uri="{FF2B5EF4-FFF2-40B4-BE49-F238E27FC236}">
-                <a16:creationId xmlns:a16="http://schemas.microsoft.com/office/drawing/2014/main" id="{FA488FD6-101C-AF70-5A69-12745406A610}"/>
+                <a16:creationId xmlns:a16="http://schemas.microsoft.com/office/drawing/2014/main" id="{4A8ECF18-791B-38D2-F7E2-7AAC595A95FE}"/>
               </a:ext>
             </a:extLst>
           </p:cNvPr>
@@ -696,7 +696,7 @@
           <p:cNvPr id="6" name="灯片编号占位符 5">
             <a:extLst>
               <a:ext uri="{FF2B5EF4-FFF2-40B4-BE49-F238E27FC236}">
-                <a16:creationId xmlns:a16="http://schemas.microsoft.com/office/drawing/2014/main" id="{B1BE7ACA-EACF-5004-FD95-E6ADD13BB1F9}"/>
+                <a16:creationId xmlns:a16="http://schemas.microsoft.com/office/drawing/2014/main" id="{3AE121C5-FAA9-654F-9F04-56A1DC013A67}"/>
               </a:ext>
             </a:extLst>
           </p:cNvPr>
@@ -712,7 +712,7 @@
           <a:bodyPr/>
           <a:lstStyle/>
           <a:p>
-            <a:fld id="{176DEA4F-F981-4A92-A367-04D0BBF92D4F}" type="slidenum">
+            <a:fld id="{5E099FE6-19BA-454D-B403-DDAA1891646F}" type="slidenum">
               <a:rPr lang="zh-CN" altLang="en-US" smtClean="0"/>
               <a:t>‹#›</a:t>
             </a:fld>
@@ -723,7 +723,7 @@
     </p:spTree>
     <p:extLst>
       <p:ext uri="{BB962C8B-B14F-4D97-AF65-F5344CB8AC3E}">
-        <p14:creationId xmlns:p14="http://schemas.microsoft.com/office/powerpoint/2010/main" val="1448841548"/>
+        <p14:creationId xmlns:p14="http://schemas.microsoft.com/office/powerpoint/2010/main" val="505082418"/>
       </p:ext>
     </p:extLst>
   </p:cSld>
@@ -755,7 +755,7 @@
           <p:cNvPr id="2" name="标题 1">
             <a:extLst>
               <a:ext uri="{FF2B5EF4-FFF2-40B4-BE49-F238E27FC236}">
-                <a16:creationId xmlns:a16="http://schemas.microsoft.com/office/drawing/2014/main" id="{0580CC88-1F08-01DA-89E7-F680987F34FC}"/>
+                <a16:creationId xmlns:a16="http://schemas.microsoft.com/office/drawing/2014/main" id="{AF21BBA5-E7CF-7A73-FA51-FE7AC0D6F83E}"/>
               </a:ext>
             </a:extLst>
           </p:cNvPr>
@@ -783,7 +783,7 @@
           <p:cNvPr id="3" name="内容占位符 2">
             <a:extLst>
               <a:ext uri="{FF2B5EF4-FFF2-40B4-BE49-F238E27FC236}">
-                <a16:creationId xmlns:a16="http://schemas.microsoft.com/office/drawing/2014/main" id="{325833D8-5F24-C1F9-40AA-6597603E1626}"/>
+                <a16:creationId xmlns:a16="http://schemas.microsoft.com/office/drawing/2014/main" id="{CD999E74-87AA-1F78-EDA5-021E1B71E9ED}"/>
               </a:ext>
             </a:extLst>
           </p:cNvPr>
@@ -840,7 +840,7 @@
           <p:cNvPr id="4" name="日期占位符 3">
             <a:extLst>
               <a:ext uri="{FF2B5EF4-FFF2-40B4-BE49-F238E27FC236}">
-                <a16:creationId xmlns:a16="http://schemas.microsoft.com/office/drawing/2014/main" id="{6CF67329-5134-BB48-F356-F55064282BAE}"/>
+                <a16:creationId xmlns:a16="http://schemas.microsoft.com/office/drawing/2014/main" id="{29E67D3C-8F70-FAEA-3225-427B909DDA39}"/>
               </a:ext>
             </a:extLst>
           </p:cNvPr>
@@ -856,7 +856,7 @@
           <a:bodyPr/>
           <a:lstStyle/>
           <a:p>
-            <a:fld id="{A7EC9F20-0257-4100-9A22-8EEA714A88A2}" type="datetimeFigureOut">
+            <a:fld id="{C1DCBBEF-31FA-4EA6-A8F0-1F4BA409E687}" type="datetimeFigureOut">
               <a:rPr lang="zh-CN" altLang="en-US" smtClean="0"/>
               <a:t>2024/3/10</a:t>
             </a:fld>
@@ -869,7 +869,7 @@
           <p:cNvPr id="5" name="页脚占位符 4">
             <a:extLst>
               <a:ext uri="{FF2B5EF4-FFF2-40B4-BE49-F238E27FC236}">
-                <a16:creationId xmlns:a16="http://schemas.microsoft.com/office/drawing/2014/main" id="{5779F8A6-20AA-239A-24B8-46B5A356876D}"/>
+                <a16:creationId xmlns:a16="http://schemas.microsoft.com/office/drawing/2014/main" id="{F7B29B15-2988-4986-CF35-66C6FFD4CE61}"/>
               </a:ext>
             </a:extLst>
           </p:cNvPr>
@@ -894,7 +894,7 @@
           <p:cNvPr id="6" name="灯片编号占位符 5">
             <a:extLst>
               <a:ext uri="{FF2B5EF4-FFF2-40B4-BE49-F238E27FC236}">
-                <a16:creationId xmlns:a16="http://schemas.microsoft.com/office/drawing/2014/main" id="{D98A9DBA-9D76-FC4B-E83C-77BCED04AED6}"/>
+                <a16:creationId xmlns:a16="http://schemas.microsoft.com/office/drawing/2014/main" id="{68EA02C7-EDEE-86EE-A698-6F3E7DE2585E}"/>
               </a:ext>
             </a:extLst>
           </p:cNvPr>
@@ -910,7 +910,7 @@
           <a:bodyPr/>
           <a:lstStyle/>
           <a:p>
-            <a:fld id="{176DEA4F-F981-4A92-A367-04D0BBF92D4F}" type="slidenum">
+            <a:fld id="{5E099FE6-19BA-454D-B403-DDAA1891646F}" type="slidenum">
               <a:rPr lang="zh-CN" altLang="en-US" smtClean="0"/>
               <a:t>‹#›</a:t>
             </a:fld>
@@ -921,7 +921,7 @@
     </p:spTree>
     <p:extLst>
       <p:ext uri="{BB962C8B-B14F-4D97-AF65-F5344CB8AC3E}">
-        <p14:creationId xmlns:p14="http://schemas.microsoft.com/office/powerpoint/2010/main" val="3059920336"/>
+        <p14:creationId xmlns:p14="http://schemas.microsoft.com/office/powerpoint/2010/main" val="1138574812"/>
       </p:ext>
     </p:extLst>
   </p:cSld>
@@ -953,7 +953,7 @@
           <p:cNvPr id="2" name="标题 1">
             <a:extLst>
               <a:ext uri="{FF2B5EF4-FFF2-40B4-BE49-F238E27FC236}">
-                <a16:creationId xmlns:a16="http://schemas.microsoft.com/office/drawing/2014/main" id="{3A5F4D7B-EE1C-7769-F56F-1C19F364DA34}"/>
+                <a16:creationId xmlns:a16="http://schemas.microsoft.com/office/drawing/2014/main" id="{CC918C51-8F62-F73E-A59B-72DBA23FE66C}"/>
               </a:ext>
             </a:extLst>
           </p:cNvPr>
@@ -990,7 +990,7 @@
           <p:cNvPr id="3" name="文本占位符 2">
             <a:extLst>
               <a:ext uri="{FF2B5EF4-FFF2-40B4-BE49-F238E27FC236}">
-                <a16:creationId xmlns:a16="http://schemas.microsoft.com/office/drawing/2014/main" id="{53BCA7B0-9355-EDCE-4198-260D16CBDAC9}"/>
+                <a16:creationId xmlns:a16="http://schemas.microsoft.com/office/drawing/2014/main" id="{B94F1A36-AE46-5DAA-A137-7A031FFC4DEE}"/>
               </a:ext>
             </a:extLst>
           </p:cNvPr>
@@ -1115,7 +1115,7 @@
           <p:cNvPr id="4" name="日期占位符 3">
             <a:extLst>
               <a:ext uri="{FF2B5EF4-FFF2-40B4-BE49-F238E27FC236}">
-                <a16:creationId xmlns:a16="http://schemas.microsoft.com/office/drawing/2014/main" id="{E042065E-55EF-49BE-C223-862EEC8A85C0}"/>
+                <a16:creationId xmlns:a16="http://schemas.microsoft.com/office/drawing/2014/main" id="{F1A0A00F-0764-38DF-712E-FA7550B76A01}"/>
               </a:ext>
             </a:extLst>
           </p:cNvPr>
@@ -1131,7 +1131,7 @@
           <a:bodyPr/>
           <a:lstStyle/>
           <a:p>
-            <a:fld id="{A7EC9F20-0257-4100-9A22-8EEA714A88A2}" type="datetimeFigureOut">
+            <a:fld id="{C1DCBBEF-31FA-4EA6-A8F0-1F4BA409E687}" type="datetimeFigureOut">
               <a:rPr lang="zh-CN" altLang="en-US" smtClean="0"/>
               <a:t>2024/3/10</a:t>
             </a:fld>
@@ -1144,7 +1144,7 @@
           <p:cNvPr id="5" name="页脚占位符 4">
             <a:extLst>
               <a:ext uri="{FF2B5EF4-FFF2-40B4-BE49-F238E27FC236}">
-                <a16:creationId xmlns:a16="http://schemas.microsoft.com/office/drawing/2014/main" id="{7FAB8550-F85F-498B-397A-FCB6315D871E}"/>
+                <a16:creationId xmlns:a16="http://schemas.microsoft.com/office/drawing/2014/main" id="{F069B4C1-D214-AA96-646B-C2442E3DBEFD}"/>
               </a:ext>
             </a:extLst>
           </p:cNvPr>
@@ -1169,7 +1169,7 @@
           <p:cNvPr id="6" name="灯片编号占位符 5">
             <a:extLst>
               <a:ext uri="{FF2B5EF4-FFF2-40B4-BE49-F238E27FC236}">
-                <a16:creationId xmlns:a16="http://schemas.microsoft.com/office/drawing/2014/main" id="{073CFBC4-C898-5588-5CDE-2475C2ACC82C}"/>
+                <a16:creationId xmlns:a16="http://schemas.microsoft.com/office/drawing/2014/main" id="{D310F513-34CC-256D-8C2C-7B5A189C4A71}"/>
               </a:ext>
             </a:extLst>
           </p:cNvPr>
@@ -1185,7 +1185,7 @@
           <a:bodyPr/>
           <a:lstStyle/>
           <a:p>
-            <a:fld id="{176DEA4F-F981-4A92-A367-04D0BBF92D4F}" type="slidenum">
+            <a:fld id="{5E099FE6-19BA-454D-B403-DDAA1891646F}" type="slidenum">
               <a:rPr lang="zh-CN" altLang="en-US" smtClean="0"/>
               <a:t>‹#›</a:t>
             </a:fld>
@@ -1196,7 +1196,7 @@
     </p:spTree>
     <p:extLst>
       <p:ext uri="{BB962C8B-B14F-4D97-AF65-F5344CB8AC3E}">
-        <p14:creationId xmlns:p14="http://schemas.microsoft.com/office/powerpoint/2010/main" val="3981793430"/>
+        <p14:creationId xmlns:p14="http://schemas.microsoft.com/office/powerpoint/2010/main" val="1665603728"/>
       </p:ext>
     </p:extLst>
   </p:cSld>
@@ -1228,7 +1228,7 @@
           <p:cNvPr id="2" name="标题 1">
             <a:extLst>
               <a:ext uri="{FF2B5EF4-FFF2-40B4-BE49-F238E27FC236}">
-                <a16:creationId xmlns:a16="http://schemas.microsoft.com/office/drawing/2014/main" id="{1848C255-9309-7DFE-E6F2-4CC9B37B2549}"/>
+                <a16:creationId xmlns:a16="http://schemas.microsoft.com/office/drawing/2014/main" id="{D0A81314-1CA8-3EBA-32BD-AB4B2984982F}"/>
               </a:ext>
             </a:extLst>
           </p:cNvPr>
@@ -1256,7 +1256,7 @@
           <p:cNvPr id="3" name="内容占位符 2">
             <a:extLst>
               <a:ext uri="{FF2B5EF4-FFF2-40B4-BE49-F238E27FC236}">
-                <a16:creationId xmlns:a16="http://schemas.microsoft.com/office/drawing/2014/main" id="{6530409F-56F8-48CD-FD0E-307807FFB125}"/>
+                <a16:creationId xmlns:a16="http://schemas.microsoft.com/office/drawing/2014/main" id="{36A42488-7DA9-5780-3209-27E1D89CA825}"/>
               </a:ext>
             </a:extLst>
           </p:cNvPr>
@@ -1318,7 +1318,7 @@
           <p:cNvPr id="4" name="内容占位符 3">
             <a:extLst>
               <a:ext uri="{FF2B5EF4-FFF2-40B4-BE49-F238E27FC236}">
-                <a16:creationId xmlns:a16="http://schemas.microsoft.com/office/drawing/2014/main" id="{9EE3CB72-1E87-393F-4FFC-6BB8F5E430AA}"/>
+                <a16:creationId xmlns:a16="http://schemas.microsoft.com/office/drawing/2014/main" id="{CA7B5E10-1922-772F-0C71-C23129121BC9}"/>
               </a:ext>
             </a:extLst>
           </p:cNvPr>
@@ -1380,7 +1380,7 @@
           <p:cNvPr id="5" name="日期占位符 4">
             <a:extLst>
               <a:ext uri="{FF2B5EF4-FFF2-40B4-BE49-F238E27FC236}">
-                <a16:creationId xmlns:a16="http://schemas.microsoft.com/office/drawing/2014/main" id="{749C15EC-7853-FD3D-5458-ECF342E66B7A}"/>
+                <a16:creationId xmlns:a16="http://schemas.microsoft.com/office/drawing/2014/main" id="{B01BF26A-4F74-329B-A9AA-F4C82C622753}"/>
               </a:ext>
             </a:extLst>
           </p:cNvPr>
@@ -1396,7 +1396,7 @@
           <a:bodyPr/>
           <a:lstStyle/>
           <a:p>
-            <a:fld id="{A7EC9F20-0257-4100-9A22-8EEA714A88A2}" type="datetimeFigureOut">
+            <a:fld id="{C1DCBBEF-31FA-4EA6-A8F0-1F4BA409E687}" type="datetimeFigureOut">
               <a:rPr lang="zh-CN" altLang="en-US" smtClean="0"/>
               <a:t>2024/3/10</a:t>
             </a:fld>
@@ -1409,7 +1409,7 @@
           <p:cNvPr id="6" name="页脚占位符 5">
             <a:extLst>
               <a:ext uri="{FF2B5EF4-FFF2-40B4-BE49-F238E27FC236}">
-                <a16:creationId xmlns:a16="http://schemas.microsoft.com/office/drawing/2014/main" id="{2A9A66EC-80F3-C850-AD91-3DE40B7F7378}"/>
+                <a16:creationId xmlns:a16="http://schemas.microsoft.com/office/drawing/2014/main" id="{7B0E2271-9FEE-BACF-DB61-E35536CC7CE8}"/>
               </a:ext>
             </a:extLst>
           </p:cNvPr>
@@ -1434,7 +1434,7 @@
           <p:cNvPr id="7" name="灯片编号占位符 6">
             <a:extLst>
               <a:ext uri="{FF2B5EF4-FFF2-40B4-BE49-F238E27FC236}">
-                <a16:creationId xmlns:a16="http://schemas.microsoft.com/office/drawing/2014/main" id="{5FE2DCC8-63F0-5A07-45C2-AC347BC8111F}"/>
+                <a16:creationId xmlns:a16="http://schemas.microsoft.com/office/drawing/2014/main" id="{FA2EFE51-9BC1-E63B-CBDE-82854B529282}"/>
               </a:ext>
             </a:extLst>
           </p:cNvPr>
@@ -1450,7 +1450,7 @@
           <a:bodyPr/>
           <a:lstStyle/>
           <a:p>
-            <a:fld id="{176DEA4F-F981-4A92-A367-04D0BBF92D4F}" type="slidenum">
+            <a:fld id="{5E099FE6-19BA-454D-B403-DDAA1891646F}" type="slidenum">
               <a:rPr lang="zh-CN" altLang="en-US" smtClean="0"/>
               <a:t>‹#›</a:t>
             </a:fld>
@@ -1461,7 +1461,7 @@
     </p:spTree>
     <p:extLst>
       <p:ext uri="{BB962C8B-B14F-4D97-AF65-F5344CB8AC3E}">
-        <p14:creationId xmlns:p14="http://schemas.microsoft.com/office/powerpoint/2010/main" val="3599166165"/>
+        <p14:creationId xmlns:p14="http://schemas.microsoft.com/office/powerpoint/2010/main" val="100750330"/>
       </p:ext>
     </p:extLst>
   </p:cSld>
@@ -1493,7 +1493,7 @@
           <p:cNvPr id="2" name="标题 1">
             <a:extLst>
               <a:ext uri="{FF2B5EF4-FFF2-40B4-BE49-F238E27FC236}">
-                <a16:creationId xmlns:a16="http://schemas.microsoft.com/office/drawing/2014/main" id="{24AF1AF5-2D26-AD85-958E-141A57A8DBEF}"/>
+                <a16:creationId xmlns:a16="http://schemas.microsoft.com/office/drawing/2014/main" id="{DBBBB95C-298B-03C1-5B82-FD5F3BE645C5}"/>
               </a:ext>
             </a:extLst>
           </p:cNvPr>
@@ -1526,7 +1526,7 @@
           <p:cNvPr id="3" name="文本占位符 2">
             <a:extLst>
               <a:ext uri="{FF2B5EF4-FFF2-40B4-BE49-F238E27FC236}">
-                <a16:creationId xmlns:a16="http://schemas.microsoft.com/office/drawing/2014/main" id="{08BD1CA2-386E-391B-8C7B-AE4B58D65E6F}"/>
+                <a16:creationId xmlns:a16="http://schemas.microsoft.com/office/drawing/2014/main" id="{91AFE270-2274-7DA4-3635-C325F778C81B}"/>
               </a:ext>
             </a:extLst>
           </p:cNvPr>
@@ -1597,7 +1597,7 @@
           <p:cNvPr id="4" name="内容占位符 3">
             <a:extLst>
               <a:ext uri="{FF2B5EF4-FFF2-40B4-BE49-F238E27FC236}">
-                <a16:creationId xmlns:a16="http://schemas.microsoft.com/office/drawing/2014/main" id="{561A9F6A-20BF-1DF8-D218-A53B80B3C4AD}"/>
+                <a16:creationId xmlns:a16="http://schemas.microsoft.com/office/drawing/2014/main" id="{8B0F56EC-6BAA-D8CE-D59E-2C32028A5217}"/>
               </a:ext>
             </a:extLst>
           </p:cNvPr>
@@ -1659,7 +1659,7 @@
           <p:cNvPr id="5" name="文本占位符 4">
             <a:extLst>
               <a:ext uri="{FF2B5EF4-FFF2-40B4-BE49-F238E27FC236}">
-                <a16:creationId xmlns:a16="http://schemas.microsoft.com/office/drawing/2014/main" id="{C4F529EB-6BC3-553E-9802-0A13F4DDE534}"/>
+                <a16:creationId xmlns:a16="http://schemas.microsoft.com/office/drawing/2014/main" id="{0C11B397-0DB4-96F2-170E-13A3E0AF53B1}"/>
               </a:ext>
             </a:extLst>
           </p:cNvPr>
@@ -1730,7 +1730,7 @@
           <p:cNvPr id="6" name="内容占位符 5">
             <a:extLst>
               <a:ext uri="{FF2B5EF4-FFF2-40B4-BE49-F238E27FC236}">
-                <a16:creationId xmlns:a16="http://schemas.microsoft.com/office/drawing/2014/main" id="{9B6F05D5-08D0-182A-A44E-5A3976BA81C3}"/>
+                <a16:creationId xmlns:a16="http://schemas.microsoft.com/office/drawing/2014/main" id="{41509617-4C4E-DC17-5956-656AE1F016B6}"/>
               </a:ext>
             </a:extLst>
           </p:cNvPr>
@@ -1792,7 +1792,7 @@
           <p:cNvPr id="7" name="日期占位符 6">
             <a:extLst>
               <a:ext uri="{FF2B5EF4-FFF2-40B4-BE49-F238E27FC236}">
-                <a16:creationId xmlns:a16="http://schemas.microsoft.com/office/drawing/2014/main" id="{66F733F6-FEC1-9AC9-58CC-DB5D23F35B32}"/>
+                <a16:creationId xmlns:a16="http://schemas.microsoft.com/office/drawing/2014/main" id="{75DA2AE8-C00E-EB20-549E-5995985B540B}"/>
               </a:ext>
             </a:extLst>
           </p:cNvPr>
@@ -1808,7 +1808,7 @@
           <a:bodyPr/>
           <a:lstStyle/>
           <a:p>
-            <a:fld id="{A7EC9F20-0257-4100-9A22-8EEA714A88A2}" type="datetimeFigureOut">
+            <a:fld id="{C1DCBBEF-31FA-4EA6-A8F0-1F4BA409E687}" type="datetimeFigureOut">
               <a:rPr lang="zh-CN" altLang="en-US" smtClean="0"/>
               <a:t>2024/3/10</a:t>
             </a:fld>
@@ -1821,7 +1821,7 @@
           <p:cNvPr id="8" name="页脚占位符 7">
             <a:extLst>
               <a:ext uri="{FF2B5EF4-FFF2-40B4-BE49-F238E27FC236}">
-                <a16:creationId xmlns:a16="http://schemas.microsoft.com/office/drawing/2014/main" id="{82B21CBC-8CDA-97D7-E643-5A9DC50E406E}"/>
+                <a16:creationId xmlns:a16="http://schemas.microsoft.com/office/drawing/2014/main" id="{C7CE61A4-623C-CCDB-72CB-BAEDC965E933}"/>
               </a:ext>
             </a:extLst>
           </p:cNvPr>
@@ -1846,7 +1846,7 @@
           <p:cNvPr id="9" name="灯片编号占位符 8">
             <a:extLst>
               <a:ext uri="{FF2B5EF4-FFF2-40B4-BE49-F238E27FC236}">
-                <a16:creationId xmlns:a16="http://schemas.microsoft.com/office/drawing/2014/main" id="{B14C8F27-DB2D-2BF0-94E6-D4564612EDF8}"/>
+                <a16:creationId xmlns:a16="http://schemas.microsoft.com/office/drawing/2014/main" id="{5C0880C3-5117-E65D-3665-56B4A38593C3}"/>
               </a:ext>
             </a:extLst>
           </p:cNvPr>
@@ -1862,7 +1862,7 @@
           <a:bodyPr/>
           <a:lstStyle/>
           <a:p>
-            <a:fld id="{176DEA4F-F981-4A92-A367-04D0BBF92D4F}" type="slidenum">
+            <a:fld id="{5E099FE6-19BA-454D-B403-DDAA1891646F}" type="slidenum">
               <a:rPr lang="zh-CN" altLang="en-US" smtClean="0"/>
               <a:t>‹#›</a:t>
             </a:fld>
@@ -1873,7 +1873,7 @@
     </p:spTree>
     <p:extLst>
       <p:ext uri="{BB962C8B-B14F-4D97-AF65-F5344CB8AC3E}">
-        <p14:creationId xmlns:p14="http://schemas.microsoft.com/office/powerpoint/2010/main" val="2657973615"/>
+        <p14:creationId xmlns:p14="http://schemas.microsoft.com/office/powerpoint/2010/main" val="3092478573"/>
       </p:ext>
     </p:extLst>
   </p:cSld>
@@ -1905,7 +1905,7 @@
           <p:cNvPr id="2" name="标题 1">
             <a:extLst>
               <a:ext uri="{FF2B5EF4-FFF2-40B4-BE49-F238E27FC236}">
-                <a16:creationId xmlns:a16="http://schemas.microsoft.com/office/drawing/2014/main" id="{234632A1-639B-96E5-4F04-6C7974C3B840}"/>
+                <a16:creationId xmlns:a16="http://schemas.microsoft.com/office/drawing/2014/main" id="{A5FBDBCC-7162-928D-961C-609495F3FBFE}"/>
               </a:ext>
             </a:extLst>
           </p:cNvPr>
@@ -1933,7 +1933,7 @@
           <p:cNvPr id="3" name="日期占位符 2">
             <a:extLst>
               <a:ext uri="{FF2B5EF4-FFF2-40B4-BE49-F238E27FC236}">
-                <a16:creationId xmlns:a16="http://schemas.microsoft.com/office/drawing/2014/main" id="{48C7C025-16DA-6464-03EF-F646FDF363EE}"/>
+                <a16:creationId xmlns:a16="http://schemas.microsoft.com/office/drawing/2014/main" id="{02B64255-F2FD-BE3B-6490-4DA48457E133}"/>
               </a:ext>
             </a:extLst>
           </p:cNvPr>
@@ -1949,7 +1949,7 @@
           <a:bodyPr/>
           <a:lstStyle/>
           <a:p>
-            <a:fld id="{A7EC9F20-0257-4100-9A22-8EEA714A88A2}" type="datetimeFigureOut">
+            <a:fld id="{C1DCBBEF-31FA-4EA6-A8F0-1F4BA409E687}" type="datetimeFigureOut">
               <a:rPr lang="zh-CN" altLang="en-US" smtClean="0"/>
               <a:t>2024/3/10</a:t>
             </a:fld>
@@ -1962,7 +1962,7 @@
           <p:cNvPr id="4" name="页脚占位符 3">
             <a:extLst>
               <a:ext uri="{FF2B5EF4-FFF2-40B4-BE49-F238E27FC236}">
-                <a16:creationId xmlns:a16="http://schemas.microsoft.com/office/drawing/2014/main" id="{2C348908-32C1-F582-CC58-FAAC6049EF46}"/>
+                <a16:creationId xmlns:a16="http://schemas.microsoft.com/office/drawing/2014/main" id="{08F27795-2E24-9F6C-28C3-D8BAD40F0772}"/>
               </a:ext>
             </a:extLst>
           </p:cNvPr>
@@ -1987,7 +1987,7 @@
           <p:cNvPr id="5" name="灯片编号占位符 4">
             <a:extLst>
               <a:ext uri="{FF2B5EF4-FFF2-40B4-BE49-F238E27FC236}">
-                <a16:creationId xmlns:a16="http://schemas.microsoft.com/office/drawing/2014/main" id="{BFABEAC1-C66C-8E6A-4106-9B0B127696EA}"/>
+                <a16:creationId xmlns:a16="http://schemas.microsoft.com/office/drawing/2014/main" id="{1FE12C1C-6570-E9BC-3FDA-D10918BD33FB}"/>
               </a:ext>
             </a:extLst>
           </p:cNvPr>
@@ -2003,7 +2003,7 @@
           <a:bodyPr/>
           <a:lstStyle/>
           <a:p>
-            <a:fld id="{176DEA4F-F981-4A92-A367-04D0BBF92D4F}" type="slidenum">
+            <a:fld id="{5E099FE6-19BA-454D-B403-DDAA1891646F}" type="slidenum">
               <a:rPr lang="zh-CN" altLang="en-US" smtClean="0"/>
               <a:t>‹#›</a:t>
             </a:fld>
@@ -2014,7 +2014,7 @@
     </p:spTree>
     <p:extLst>
       <p:ext uri="{BB962C8B-B14F-4D97-AF65-F5344CB8AC3E}">
-        <p14:creationId xmlns:p14="http://schemas.microsoft.com/office/powerpoint/2010/main" val="2362206802"/>
+        <p14:creationId xmlns:p14="http://schemas.microsoft.com/office/powerpoint/2010/main" val="2629342451"/>
       </p:ext>
     </p:extLst>
   </p:cSld>
@@ -2046,7 +2046,7 @@
           <p:cNvPr id="2" name="日期占位符 1">
             <a:extLst>
               <a:ext uri="{FF2B5EF4-FFF2-40B4-BE49-F238E27FC236}">
-                <a16:creationId xmlns:a16="http://schemas.microsoft.com/office/drawing/2014/main" id="{D9D1EFAC-960D-3D52-0D13-AC8872494B15}"/>
+                <a16:creationId xmlns:a16="http://schemas.microsoft.com/office/drawing/2014/main" id="{114CA53F-A715-A82D-F671-840D09D25BD4}"/>
               </a:ext>
             </a:extLst>
           </p:cNvPr>
@@ -2062,7 +2062,7 @@
           <a:bodyPr/>
           <a:lstStyle/>
           <a:p>
-            <a:fld id="{A7EC9F20-0257-4100-9A22-8EEA714A88A2}" type="datetimeFigureOut">
+            <a:fld id="{C1DCBBEF-31FA-4EA6-A8F0-1F4BA409E687}" type="datetimeFigureOut">
               <a:rPr lang="zh-CN" altLang="en-US" smtClean="0"/>
               <a:t>2024/3/10</a:t>
             </a:fld>
@@ -2075,7 +2075,7 @@
           <p:cNvPr id="3" name="页脚占位符 2">
             <a:extLst>
               <a:ext uri="{FF2B5EF4-FFF2-40B4-BE49-F238E27FC236}">
-                <a16:creationId xmlns:a16="http://schemas.microsoft.com/office/drawing/2014/main" id="{8D4E10A1-D2F4-FA7C-5E8A-6DF2CB2C1390}"/>
+                <a16:creationId xmlns:a16="http://schemas.microsoft.com/office/drawing/2014/main" id="{AE2EA6D7-8813-A3F2-F84A-AA2558842A45}"/>
               </a:ext>
             </a:extLst>
           </p:cNvPr>
@@ -2100,7 +2100,7 @@
           <p:cNvPr id="4" name="灯片编号占位符 3">
             <a:extLst>
               <a:ext uri="{FF2B5EF4-FFF2-40B4-BE49-F238E27FC236}">
-                <a16:creationId xmlns:a16="http://schemas.microsoft.com/office/drawing/2014/main" id="{BF212673-D20F-A10F-2B82-165E539DE3B7}"/>
+                <a16:creationId xmlns:a16="http://schemas.microsoft.com/office/drawing/2014/main" id="{443F86F7-C32D-483F-71CE-7D3E2C25FA91}"/>
               </a:ext>
             </a:extLst>
           </p:cNvPr>
@@ -2116,7 +2116,7 @@
           <a:bodyPr/>
           <a:lstStyle/>
           <a:p>
-            <a:fld id="{176DEA4F-F981-4A92-A367-04D0BBF92D4F}" type="slidenum">
+            <a:fld id="{5E099FE6-19BA-454D-B403-DDAA1891646F}" type="slidenum">
               <a:rPr lang="zh-CN" altLang="en-US" smtClean="0"/>
               <a:t>‹#›</a:t>
             </a:fld>
@@ -2127,7 +2127,7 @@
     </p:spTree>
     <p:extLst>
       <p:ext uri="{BB962C8B-B14F-4D97-AF65-F5344CB8AC3E}">
-        <p14:creationId xmlns:p14="http://schemas.microsoft.com/office/powerpoint/2010/main" val="3611287957"/>
+        <p14:creationId xmlns:p14="http://schemas.microsoft.com/office/powerpoint/2010/main" val="2675921980"/>
       </p:ext>
     </p:extLst>
   </p:cSld>
@@ -2159,7 +2159,7 @@
           <p:cNvPr id="2" name="标题 1">
             <a:extLst>
               <a:ext uri="{FF2B5EF4-FFF2-40B4-BE49-F238E27FC236}">
-                <a16:creationId xmlns:a16="http://schemas.microsoft.com/office/drawing/2014/main" id="{127B7EA5-7588-D3EC-F511-FABEECEFFC0A}"/>
+                <a16:creationId xmlns:a16="http://schemas.microsoft.com/office/drawing/2014/main" id="{EECD4AAC-A708-3085-B3D5-81F43AE9C0DC}"/>
               </a:ext>
             </a:extLst>
           </p:cNvPr>
@@ -2196,7 +2196,7 @@
           <p:cNvPr id="3" name="内容占位符 2">
             <a:extLst>
               <a:ext uri="{FF2B5EF4-FFF2-40B4-BE49-F238E27FC236}">
-                <a16:creationId xmlns:a16="http://schemas.microsoft.com/office/drawing/2014/main" id="{B9C8DDA4-41CC-30AE-05FF-4BABCD553816}"/>
+                <a16:creationId xmlns:a16="http://schemas.microsoft.com/office/drawing/2014/main" id="{E39B517E-BC28-F043-51F3-60FF419679AF}"/>
               </a:ext>
             </a:extLst>
           </p:cNvPr>
@@ -2286,7 +2286,7 @@
           <p:cNvPr id="4" name="文本占位符 3">
             <a:extLst>
               <a:ext uri="{FF2B5EF4-FFF2-40B4-BE49-F238E27FC236}">
-                <a16:creationId xmlns:a16="http://schemas.microsoft.com/office/drawing/2014/main" id="{F578B146-B1CC-B600-34E0-4189C0E694B9}"/>
+                <a16:creationId xmlns:a16="http://schemas.microsoft.com/office/drawing/2014/main" id="{94AA304A-599F-8F85-BE6F-1738AD95D64E}"/>
               </a:ext>
             </a:extLst>
           </p:cNvPr>
@@ -2357,7 +2357,7 @@
           <p:cNvPr id="5" name="日期占位符 4">
             <a:extLst>
               <a:ext uri="{FF2B5EF4-FFF2-40B4-BE49-F238E27FC236}">
-                <a16:creationId xmlns:a16="http://schemas.microsoft.com/office/drawing/2014/main" id="{91F8DB66-2C5D-5550-ED59-0BEDAD992599}"/>
+                <a16:creationId xmlns:a16="http://schemas.microsoft.com/office/drawing/2014/main" id="{72F687A4-0602-9637-10D3-9A4BF88DA2A9}"/>
               </a:ext>
             </a:extLst>
           </p:cNvPr>
@@ -2373,7 +2373,7 @@
           <a:bodyPr/>
           <a:lstStyle/>
           <a:p>
-            <a:fld id="{A7EC9F20-0257-4100-9A22-8EEA714A88A2}" type="datetimeFigureOut">
+            <a:fld id="{C1DCBBEF-31FA-4EA6-A8F0-1F4BA409E687}" type="datetimeFigureOut">
               <a:rPr lang="zh-CN" altLang="en-US" smtClean="0"/>
               <a:t>2024/3/10</a:t>
             </a:fld>
@@ -2386,7 +2386,7 @@
           <p:cNvPr id="6" name="页脚占位符 5">
             <a:extLst>
               <a:ext uri="{FF2B5EF4-FFF2-40B4-BE49-F238E27FC236}">
-                <a16:creationId xmlns:a16="http://schemas.microsoft.com/office/drawing/2014/main" id="{8C2361EC-AD46-93DF-D537-C47193074260}"/>
+                <a16:creationId xmlns:a16="http://schemas.microsoft.com/office/drawing/2014/main" id="{9120FEDB-C50E-E5BD-45FE-F07956E700A4}"/>
               </a:ext>
             </a:extLst>
           </p:cNvPr>
@@ -2411,7 +2411,7 @@
           <p:cNvPr id="7" name="灯片编号占位符 6">
             <a:extLst>
               <a:ext uri="{FF2B5EF4-FFF2-40B4-BE49-F238E27FC236}">
-                <a16:creationId xmlns:a16="http://schemas.microsoft.com/office/drawing/2014/main" id="{BEB2C913-5B28-17F5-E456-A2AB9198E927}"/>
+                <a16:creationId xmlns:a16="http://schemas.microsoft.com/office/drawing/2014/main" id="{0B708678-C8D4-D0A3-361A-8FA7286D334B}"/>
               </a:ext>
             </a:extLst>
           </p:cNvPr>
@@ -2427,7 +2427,7 @@
           <a:bodyPr/>
           <a:lstStyle/>
           <a:p>
-            <a:fld id="{176DEA4F-F981-4A92-A367-04D0BBF92D4F}" type="slidenum">
+            <a:fld id="{5E099FE6-19BA-454D-B403-DDAA1891646F}" type="slidenum">
               <a:rPr lang="zh-CN" altLang="en-US" smtClean="0"/>
               <a:t>‹#›</a:t>
             </a:fld>
@@ -2438,7 +2438,7 @@
     </p:spTree>
     <p:extLst>
       <p:ext uri="{BB962C8B-B14F-4D97-AF65-F5344CB8AC3E}">
-        <p14:creationId xmlns:p14="http://schemas.microsoft.com/office/powerpoint/2010/main" val="923497834"/>
+        <p14:creationId xmlns:p14="http://schemas.microsoft.com/office/powerpoint/2010/main" val="3080309392"/>
       </p:ext>
     </p:extLst>
   </p:cSld>
@@ -2470,7 +2470,7 @@
           <p:cNvPr id="2" name="标题 1">
             <a:extLst>
               <a:ext uri="{FF2B5EF4-FFF2-40B4-BE49-F238E27FC236}">
-                <a16:creationId xmlns:a16="http://schemas.microsoft.com/office/drawing/2014/main" id="{0DAAB394-6F1C-9406-FB3F-6B5C710B2996}"/>
+                <a16:creationId xmlns:a16="http://schemas.microsoft.com/office/drawing/2014/main" id="{1856F5B5-E049-3ED9-13EC-1083438A1799}"/>
               </a:ext>
             </a:extLst>
           </p:cNvPr>
@@ -2507,7 +2507,7 @@
           <p:cNvPr id="3" name="图片占位符 2">
             <a:extLst>
               <a:ext uri="{FF2B5EF4-FFF2-40B4-BE49-F238E27FC236}">
-                <a16:creationId xmlns:a16="http://schemas.microsoft.com/office/drawing/2014/main" id="{E34A2C0B-AB38-A12B-0A08-BA319ED5311C}"/>
+                <a16:creationId xmlns:a16="http://schemas.microsoft.com/office/drawing/2014/main" id="{D4D967E9-39CF-A7AB-59D2-B33A0F96E4C9}"/>
               </a:ext>
             </a:extLst>
           </p:cNvPr>
@@ -2574,7 +2574,7 @@
           <p:cNvPr id="4" name="文本占位符 3">
             <a:extLst>
               <a:ext uri="{FF2B5EF4-FFF2-40B4-BE49-F238E27FC236}">
-                <a16:creationId xmlns:a16="http://schemas.microsoft.com/office/drawing/2014/main" id="{DF82A396-3387-4C51-E56B-FBD42399D9E2}"/>
+                <a16:creationId xmlns:a16="http://schemas.microsoft.com/office/drawing/2014/main" id="{35F661C8-F790-76E2-A6B4-1E732ABAC76D}"/>
               </a:ext>
             </a:extLst>
           </p:cNvPr>
@@ -2645,7 +2645,7 @@
           <p:cNvPr id="5" name="日期占位符 4">
             <a:extLst>
               <a:ext uri="{FF2B5EF4-FFF2-40B4-BE49-F238E27FC236}">
-                <a16:creationId xmlns:a16="http://schemas.microsoft.com/office/drawing/2014/main" id="{AD620289-8FE2-E765-0422-66794E1C18B6}"/>
+                <a16:creationId xmlns:a16="http://schemas.microsoft.com/office/drawing/2014/main" id="{4A234874-D768-A126-9524-4747B5E8C297}"/>
               </a:ext>
             </a:extLst>
           </p:cNvPr>
@@ -2661,7 +2661,7 @@
           <a:bodyPr/>
           <a:lstStyle/>
           <a:p>
-            <a:fld id="{A7EC9F20-0257-4100-9A22-8EEA714A88A2}" type="datetimeFigureOut">
+            <a:fld id="{C1DCBBEF-31FA-4EA6-A8F0-1F4BA409E687}" type="datetimeFigureOut">
               <a:rPr lang="zh-CN" altLang="en-US" smtClean="0"/>
               <a:t>2024/3/10</a:t>
             </a:fld>
@@ -2674,7 +2674,7 @@
           <p:cNvPr id="6" name="页脚占位符 5">
             <a:extLst>
               <a:ext uri="{FF2B5EF4-FFF2-40B4-BE49-F238E27FC236}">
-                <a16:creationId xmlns:a16="http://schemas.microsoft.com/office/drawing/2014/main" id="{57E444D3-190B-E307-2F7E-ADDDFF873F68}"/>
+                <a16:creationId xmlns:a16="http://schemas.microsoft.com/office/drawing/2014/main" id="{BF56E2CF-A065-36DA-56AA-D975E7EE9ECF}"/>
               </a:ext>
             </a:extLst>
           </p:cNvPr>
@@ -2699,7 +2699,7 @@
           <p:cNvPr id="7" name="灯片编号占位符 6">
             <a:extLst>
               <a:ext uri="{FF2B5EF4-FFF2-40B4-BE49-F238E27FC236}">
-                <a16:creationId xmlns:a16="http://schemas.microsoft.com/office/drawing/2014/main" id="{4D1D958B-9860-52F2-8287-9CB13BE46DE1}"/>
+                <a16:creationId xmlns:a16="http://schemas.microsoft.com/office/drawing/2014/main" id="{3DA44FB4-D396-E8CC-9C18-C8E147AB168D}"/>
               </a:ext>
             </a:extLst>
           </p:cNvPr>
@@ -2715,7 +2715,7 @@
           <a:bodyPr/>
           <a:lstStyle/>
           <a:p>
-            <a:fld id="{176DEA4F-F981-4A92-A367-04D0BBF92D4F}" type="slidenum">
+            <a:fld id="{5E099FE6-19BA-454D-B403-DDAA1891646F}" type="slidenum">
               <a:rPr lang="zh-CN" altLang="en-US" smtClean="0"/>
               <a:t>‹#›</a:t>
             </a:fld>
@@ -2726,7 +2726,7 @@
     </p:spTree>
     <p:extLst>
       <p:ext uri="{BB962C8B-B14F-4D97-AF65-F5344CB8AC3E}">
-        <p14:creationId xmlns:p14="http://schemas.microsoft.com/office/powerpoint/2010/main" val="969778416"/>
+        <p14:creationId xmlns:p14="http://schemas.microsoft.com/office/powerpoint/2010/main" val="2791909339"/>
       </p:ext>
     </p:extLst>
   </p:cSld>
@@ -2763,7 +2763,7 @@
           <p:cNvPr id="2" name="标题占位符 1">
             <a:extLst>
               <a:ext uri="{FF2B5EF4-FFF2-40B4-BE49-F238E27FC236}">
-                <a16:creationId xmlns:a16="http://schemas.microsoft.com/office/drawing/2014/main" id="{6C570D4E-07D7-BE07-C0D1-34E6D272A5B9}"/>
+                <a16:creationId xmlns:a16="http://schemas.microsoft.com/office/drawing/2014/main" id="{0C17B36B-C8BA-AE5B-CCE4-903F174ACB22}"/>
               </a:ext>
             </a:extLst>
           </p:cNvPr>
@@ -2801,7 +2801,7 @@
           <p:cNvPr id="3" name="文本占位符 2">
             <a:extLst>
               <a:ext uri="{FF2B5EF4-FFF2-40B4-BE49-F238E27FC236}">
-                <a16:creationId xmlns:a16="http://schemas.microsoft.com/office/drawing/2014/main" id="{07C77DD1-593C-0362-DA36-3462A2902B27}"/>
+                <a16:creationId xmlns:a16="http://schemas.microsoft.com/office/drawing/2014/main" id="{57D84AD5-08CE-36D0-2552-9B34FFD3178F}"/>
               </a:ext>
             </a:extLst>
           </p:cNvPr>
@@ -2868,7 +2868,7 @@
           <p:cNvPr id="4" name="日期占位符 3">
             <a:extLst>
               <a:ext uri="{FF2B5EF4-FFF2-40B4-BE49-F238E27FC236}">
-                <a16:creationId xmlns:a16="http://schemas.microsoft.com/office/drawing/2014/main" id="{15C96873-6E5D-7D7C-8B89-0AD39FC90BB2}"/>
+                <a16:creationId xmlns:a16="http://schemas.microsoft.com/office/drawing/2014/main" id="{AD0B8428-D855-CFD9-4543-24A568189DC4}"/>
               </a:ext>
             </a:extLst>
           </p:cNvPr>
@@ -2902,7 +2902,7 @@
             </a:lvl1pPr>
           </a:lstStyle>
           <a:p>
-            <a:fld id="{A7EC9F20-0257-4100-9A22-8EEA714A88A2}" type="datetimeFigureOut">
+            <a:fld id="{C1DCBBEF-31FA-4EA6-A8F0-1F4BA409E687}" type="datetimeFigureOut">
               <a:rPr lang="zh-CN" altLang="en-US" smtClean="0"/>
               <a:t>2024/3/10</a:t>
             </a:fld>
@@ -2915,7 +2915,7 @@
           <p:cNvPr id="5" name="页脚占位符 4">
             <a:extLst>
               <a:ext uri="{FF2B5EF4-FFF2-40B4-BE49-F238E27FC236}">
-                <a16:creationId xmlns:a16="http://schemas.microsoft.com/office/drawing/2014/main" id="{3ED5E0F4-06FA-014E-7682-D103FFC2701D}"/>
+                <a16:creationId xmlns:a16="http://schemas.microsoft.com/office/drawing/2014/main" id="{C8ED7736-CDCB-809B-6669-A9AE6F2A98A0}"/>
               </a:ext>
             </a:extLst>
           </p:cNvPr>
@@ -2958,7 +2958,7 @@
           <p:cNvPr id="6" name="灯片编号占位符 5">
             <a:extLst>
               <a:ext uri="{FF2B5EF4-FFF2-40B4-BE49-F238E27FC236}">
-                <a16:creationId xmlns:a16="http://schemas.microsoft.com/office/drawing/2014/main" id="{140137DD-2A2A-AF58-0EE5-BE250121423C}"/>
+                <a16:creationId xmlns:a16="http://schemas.microsoft.com/office/drawing/2014/main" id="{D85ED27C-4046-A154-EEB8-63E32C5FC47B}"/>
               </a:ext>
             </a:extLst>
           </p:cNvPr>
@@ -2992,7 +2992,7 @@
             </a:lvl1pPr>
           </a:lstStyle>
           <a:p>
-            <a:fld id="{176DEA4F-F981-4A92-A367-04D0BBF92D4F}" type="slidenum">
+            <a:fld id="{5E099FE6-19BA-454D-B403-DDAA1891646F}" type="slidenum">
               <a:rPr lang="zh-CN" altLang="en-US" smtClean="0"/>
               <a:t>‹#›</a:t>
             </a:fld>
@@ -3003,7 +3003,7 @@
     </p:spTree>
     <p:extLst>
       <p:ext uri="{BB962C8B-B14F-4D97-AF65-F5344CB8AC3E}">
-        <p14:creationId xmlns:p14="http://schemas.microsoft.com/office/powerpoint/2010/main" val="3468325603"/>
+        <p14:creationId xmlns:p14="http://schemas.microsoft.com/office/powerpoint/2010/main" val="1686613037"/>
       </p:ext>
     </p:extLst>
   </p:cSld>
@@ -3323,7 +3323,7 @@
       </p:grpSpPr>
       <p:pic>
         <p:nvPicPr>
-          <p:cNvPr id="622594" name="Picture 2" descr="607"/>
+          <p:cNvPr id="623618" name="Picture 2" descr="608"/>
           <p:cNvPicPr>
             <a:picLocks noChangeAspect="1" noChangeArrowheads="1"/>
           </p:cNvPicPr>
@@ -3377,7 +3377,7 @@
       </p:pic>
       <p:pic>
         <p:nvPicPr>
-          <p:cNvPr id="623619" name="Picture 3" descr="607-2"/>
+          <p:cNvPr id="624643" name="Picture 3" descr="608-2"/>
           <p:cNvPicPr>
             <a:picLocks noChangeAspect="1" noChangeArrowheads="1"/>
           </p:cNvPicPr>
@@ -3385,6 +3385,70 @@
         </p:nvPicPr>
         <p:blipFill>
           <a:blip r:embed="rId3">
+            <a:extLst>
+              <a:ext uri="{28A0092B-C50C-407E-A947-70E740481C1C}">
+                <a14:useLocalDpi xmlns:a14="http://schemas.microsoft.com/office/drawing/2010/main" val="0"/>
+              </a:ext>
+            </a:extLst>
+          </a:blip>
+          <a:srcRect/>
+          <a:stretch>
+            <a:fillRect/>
+          </a:stretch>
+        </p:blipFill>
+        <p:spPr bwMode="auto">
+          <a:xfrm>
+            <a:off x="1524000" y="0"/>
+            <a:ext cx="9144000" cy="6858000"/>
+          </a:xfrm>
+          <a:prstGeom prst="rect">
+            <a:avLst/>
+          </a:prstGeom>
+          <a:noFill/>
+          <a:ln>
+            <a:noFill/>
+          </a:ln>
+          <a:effectLst/>
+          <a:extLst>
+            <a:ext uri="{909E8E84-426E-40DD-AFC4-6F175D3DCCD1}">
+              <a14:hiddenFill xmlns:a14="http://schemas.microsoft.com/office/drawing/2010/main">
+                <a:solidFill>
+                  <a:srgbClr val="FFFFFF"/>
+                </a:solidFill>
+              </a14:hiddenFill>
+            </a:ext>
+            <a:ext uri="{91240B29-F687-4F45-9708-019B960494DF}">
+              <a14:hiddenLine xmlns:a14="http://schemas.microsoft.com/office/drawing/2010/main" w="9525">
+                <a:solidFill>
+                  <a:srgbClr val="000000"/>
+                </a:solidFill>
+                <a:miter lim="800000"/>
+                <a:headEnd/>
+                <a:tailEnd/>
+              </a14:hiddenLine>
+            </a:ext>
+            <a:ext uri="{AF507438-7753-43E0-B8FC-AC1667EBCBE1}">
+              <a14:hiddenEffects xmlns:a14="http://schemas.microsoft.com/office/drawing/2010/main">
+                <a:effectLst>
+                  <a:outerShdw dist="35921" dir="2700000" algn="ctr" rotWithShape="0">
+                    <a:srgbClr val="808080"/>
+                  </a:outerShdw>
+                </a:effectLst>
+              </a14:hiddenEffects>
+            </a:ext>
+          </a:extLst>
+        </p:spPr>
+      </p:pic>
+      <p:pic>
+        <p:nvPicPr>
+          <p:cNvPr id="624644" name="Picture 4" descr="608-3"/>
+          <p:cNvPicPr>
+            <a:picLocks noChangeAspect="1" noChangeArrowheads="1"/>
+          </p:cNvPicPr>
+          <p:nvPr/>
+        </p:nvPicPr>
+        <p:blipFill>
+          <a:blip r:embed="rId4">
             <a:extLst>
               <a:ext uri="{28A0092B-C50C-407E-A947-70E740481C1C}">
                 <a14:useLocalDpi xmlns:a14="http://schemas.microsoft.com/office/drawing/2010/main" val="0"/>
@@ -3478,7 +3542,7 @@
                                           </p:stCondLst>
                                         </p:cTn>
                                         <p:tgtEl>
-                                          <p:spTgt spid="623619"/>
+                                          <p:spTgt spid="624643"/>
                                         </p:tgtEl>
                                         <p:attrNameLst>
                                           <p:attrName>style.visibility</p:attrName>
@@ -3492,7 +3556,60 @@
                                       <p:cBhvr>
                                         <p:cTn id="7" dur="500"/>
                                         <p:tgtEl>
-                                          <p:spTgt spid="623619"/>
+                                          <p:spTgt spid="624643"/>
+                                        </p:tgtEl>
+                                      </p:cBhvr>
+                                    </p:animEffect>
+                                  </p:childTnLst>
+                                </p:cTn>
+                              </p:par>
+                            </p:childTnLst>
+                          </p:cTn>
+                        </p:par>
+                      </p:childTnLst>
+                    </p:cTn>
+                  </p:par>
+                  <p:par>
+                    <p:cTn id="8" fill="hold" nodeType="clickPar">
+                      <p:stCondLst>
+                        <p:cond delay="indefinite"/>
+                      </p:stCondLst>
+                      <p:childTnLst>
+                        <p:par>
+                          <p:cTn id="9" fill="hold" nodeType="withGroup">
+                            <p:stCondLst>
+                              <p:cond delay="0"/>
+                            </p:stCondLst>
+                            <p:childTnLst>
+                              <p:par>
+                                <p:cTn id="10" presetID="10" presetClass="entr" presetSubtype="0" fill="hold" nodeType="clickEffect">
+                                  <p:stCondLst>
+                                    <p:cond delay="0"/>
+                                  </p:stCondLst>
+                                  <p:childTnLst>
+                                    <p:set>
+                                      <p:cBhvr>
+                                        <p:cTn id="11" dur="1" fill="hold">
+                                          <p:stCondLst>
+                                            <p:cond delay="0"/>
+                                          </p:stCondLst>
+                                        </p:cTn>
+                                        <p:tgtEl>
+                                          <p:spTgt spid="624644"/>
+                                        </p:tgtEl>
+                                        <p:attrNameLst>
+                                          <p:attrName>style.visibility</p:attrName>
+                                        </p:attrNameLst>
+                                      </p:cBhvr>
+                                      <p:to>
+                                        <p:strVal val="visible"/>
+                                      </p:to>
+                                    </p:set>
+                                    <p:animEffect transition="in" filter="fade">
+                                      <p:cBhvr>
+                                        <p:cTn id="12" dur="500"/>
+                                        <p:tgtEl>
+                                          <p:spTgt spid="624644"/>
                                         </p:tgtEl>
                                       </p:cBhvr>
                                     </p:animEffect>
